--- a/2021/solid/Apresentação.pptx
+++ b/2021/solid/Apresentação.pptx
@@ -7,8 +7,7 @@
   <p:sldIdLst>
     <p:sldId id="256" r:id="rId2"/>
     <p:sldId id="260" r:id="rId3"/>
-    <p:sldId id="257" r:id="rId4"/>
-    <p:sldId id="258" r:id="rId5"/>
+    <p:sldId id="258" r:id="rId4"/>
   </p:sldIdLst>
   <p:sldSz cx="12192000" cy="6858000"/>
   <p:notesSz cx="6858000" cy="9144000"/>
@@ -107,6 +106,11 @@
       </a:defRPr>
     </a:lvl9pPr>
   </p:defaultTextStyle>
+  <p:extLst>
+    <p:ext uri="{EFAFB233-063F-42B5-8137-9DF3F51BA10A}">
+      <p15:sldGuideLst xmlns:p15="http://schemas.microsoft.com/office/powerpoint/2012/main"/>
+    </p:ext>
+  </p:extLst>
 </p:presentation>
 </file>
 
@@ -257,7 +261,7 @@
           <a:p>
             <a:fld id="{C3C09188-45C4-4407-8DD8-D99948DD52DC}" type="datetimeFigureOut">
               <a:rPr lang="pt-BR" smtClean="0"/>
-              <a:t>26/07/2021</a:t>
+              <a:t>04/08/2021</a:t>
             </a:fld>
             <a:endParaRPr lang="pt-BR"/>
           </a:p>
@@ -455,7 +459,7 @@
           <a:p>
             <a:fld id="{C3C09188-45C4-4407-8DD8-D99948DD52DC}" type="datetimeFigureOut">
               <a:rPr lang="pt-BR" smtClean="0"/>
-              <a:t>26/07/2021</a:t>
+              <a:t>04/08/2021</a:t>
             </a:fld>
             <a:endParaRPr lang="pt-BR"/>
           </a:p>
@@ -663,7 +667,7 @@
           <a:p>
             <a:fld id="{C3C09188-45C4-4407-8DD8-D99948DD52DC}" type="datetimeFigureOut">
               <a:rPr lang="pt-BR" smtClean="0"/>
-              <a:t>26/07/2021</a:t>
+              <a:t>04/08/2021</a:t>
             </a:fld>
             <a:endParaRPr lang="pt-BR"/>
           </a:p>
@@ -861,7 +865,7 @@
           <a:p>
             <a:fld id="{C3C09188-45C4-4407-8DD8-D99948DD52DC}" type="datetimeFigureOut">
               <a:rPr lang="pt-BR" smtClean="0"/>
-              <a:t>26/07/2021</a:t>
+              <a:t>04/08/2021</a:t>
             </a:fld>
             <a:endParaRPr lang="pt-BR"/>
           </a:p>
@@ -1136,7 +1140,7 @@
           <a:p>
             <a:fld id="{C3C09188-45C4-4407-8DD8-D99948DD52DC}" type="datetimeFigureOut">
               <a:rPr lang="pt-BR" smtClean="0"/>
-              <a:t>26/07/2021</a:t>
+              <a:t>04/08/2021</a:t>
             </a:fld>
             <a:endParaRPr lang="pt-BR"/>
           </a:p>
@@ -1401,7 +1405,7 @@
           <a:p>
             <a:fld id="{C3C09188-45C4-4407-8DD8-D99948DD52DC}" type="datetimeFigureOut">
               <a:rPr lang="pt-BR" smtClean="0"/>
-              <a:t>26/07/2021</a:t>
+              <a:t>04/08/2021</a:t>
             </a:fld>
             <a:endParaRPr lang="pt-BR"/>
           </a:p>
@@ -1813,7 +1817,7 @@
           <a:p>
             <a:fld id="{C3C09188-45C4-4407-8DD8-D99948DD52DC}" type="datetimeFigureOut">
               <a:rPr lang="pt-BR" smtClean="0"/>
-              <a:t>26/07/2021</a:t>
+              <a:t>04/08/2021</a:t>
             </a:fld>
             <a:endParaRPr lang="pt-BR"/>
           </a:p>
@@ -1954,7 +1958,7 @@
           <a:p>
             <a:fld id="{C3C09188-45C4-4407-8DD8-D99948DD52DC}" type="datetimeFigureOut">
               <a:rPr lang="pt-BR" smtClean="0"/>
-              <a:t>26/07/2021</a:t>
+              <a:t>04/08/2021</a:t>
             </a:fld>
             <a:endParaRPr lang="pt-BR"/>
           </a:p>
@@ -2067,7 +2071,7 @@
           <a:p>
             <a:fld id="{C3C09188-45C4-4407-8DD8-D99948DD52DC}" type="datetimeFigureOut">
               <a:rPr lang="pt-BR" smtClean="0"/>
-              <a:t>26/07/2021</a:t>
+              <a:t>04/08/2021</a:t>
             </a:fld>
             <a:endParaRPr lang="pt-BR"/>
           </a:p>
@@ -2378,7 +2382,7 @@
           <a:p>
             <a:fld id="{C3C09188-45C4-4407-8DD8-D99948DD52DC}" type="datetimeFigureOut">
               <a:rPr lang="pt-BR" smtClean="0"/>
-              <a:t>26/07/2021</a:t>
+              <a:t>04/08/2021</a:t>
             </a:fld>
             <a:endParaRPr lang="pt-BR"/>
           </a:p>
@@ -2666,7 +2670,7 @@
           <a:p>
             <a:fld id="{C3C09188-45C4-4407-8DD8-D99948DD52DC}" type="datetimeFigureOut">
               <a:rPr lang="pt-BR" smtClean="0"/>
-              <a:t>26/07/2021</a:t>
+              <a:t>04/08/2021</a:t>
             </a:fld>
             <a:endParaRPr lang="pt-BR"/>
           </a:p>
@@ -2907,7 +2911,7 @@
           <a:p>
             <a:fld id="{C3C09188-45C4-4407-8DD8-D99948DD52DC}" type="datetimeFigureOut">
               <a:rPr lang="pt-BR" smtClean="0"/>
-              <a:t>26/07/2021</a:t>
+              <a:t>04/08/2021</a:t>
             </a:fld>
             <a:endParaRPr lang="pt-BR"/>
           </a:p>
@@ -4639,119 +4643,6 @@
           <a:chExt cx="0" cy="0"/>
         </a:xfrm>
       </p:grpSpPr>
-      <p:sp>
-        <p:nvSpPr>
-          <p:cNvPr id="4" name="Título 1">
-            <a:extLst>
-              <a:ext uri="{FF2B5EF4-FFF2-40B4-BE49-F238E27FC236}">
-                <a16:creationId xmlns:a16="http://schemas.microsoft.com/office/drawing/2014/main" id="{4290209E-48CD-45F5-8B3A-F9E5E1C8150E}"/>
-              </a:ext>
-            </a:extLst>
-          </p:cNvPr>
-          <p:cNvSpPr>
-            <a:spLocks noGrp="1"/>
-          </p:cNvSpPr>
-          <p:nvPr>
-            <p:ph type="title"/>
-          </p:nvPr>
-        </p:nvSpPr>
-        <p:spPr>
-          <a:xfrm>
-            <a:off x="838200" y="365125"/>
-            <a:ext cx="10515600" cy="1325563"/>
-          </a:xfrm>
-        </p:spPr>
-        <p:txBody>
-          <a:bodyPr/>
-          <a:lstStyle/>
-          <a:p>
-            <a:r>
-              <a:rPr lang="pt-BR" b="1" dirty="0">
-                <a:solidFill>
-                  <a:srgbClr val="161B3D"/>
-                </a:solidFill>
-                <a:latin typeface="Arial" panose="020B0604020202020204" pitchFamily="34" charset="0"/>
-                <a:cs typeface="Arial" panose="020B0604020202020204" pitchFamily="34" charset="0"/>
-              </a:rPr>
-              <a:t>Título</a:t>
-            </a:r>
-          </a:p>
-        </p:txBody>
-      </p:sp>
-      <p:sp>
-        <p:nvSpPr>
-          <p:cNvPr id="5" name="Espaço Reservado para Conteúdo 2">
-            <a:extLst>
-              <a:ext uri="{FF2B5EF4-FFF2-40B4-BE49-F238E27FC236}">
-                <a16:creationId xmlns:a16="http://schemas.microsoft.com/office/drawing/2014/main" id="{FA83938D-CE45-4315-BA7C-D282F8BBC1AA}"/>
-              </a:ext>
-            </a:extLst>
-          </p:cNvPr>
-          <p:cNvSpPr>
-            <a:spLocks noGrp="1"/>
-          </p:cNvSpPr>
-          <p:nvPr>
-            <p:ph idx="1"/>
-          </p:nvPr>
-        </p:nvSpPr>
-        <p:spPr>
-          <a:xfrm>
-            <a:off x="838200" y="1825625"/>
-            <a:ext cx="10515600" cy="4351338"/>
-          </a:xfrm>
-        </p:spPr>
-        <p:txBody>
-          <a:bodyPr>
-            <a:normAutofit/>
-          </a:bodyPr>
-          <a:lstStyle/>
-          <a:p>
-            <a:pPr marL="0" indent="0">
-              <a:buNone/>
-            </a:pPr>
-            <a:r>
-              <a:rPr lang="pt-BR" sz="2000" dirty="0">
-                <a:solidFill>
-                  <a:srgbClr val="161B3D"/>
-                </a:solidFill>
-                <a:latin typeface="Arial" panose="020B0604020202020204" pitchFamily="34" charset="0"/>
-                <a:cs typeface="Arial" panose="020B0604020202020204" pitchFamily="34" charset="0"/>
-              </a:rPr>
-              <a:t>Alguma coisa...</a:t>
-            </a:r>
-          </a:p>
-        </p:txBody>
-      </p:sp>
-    </p:spTree>
-    <p:extLst>
-      <p:ext uri="{BB962C8B-B14F-4D97-AF65-F5344CB8AC3E}">
-        <p14:creationId xmlns:p14="http://schemas.microsoft.com/office/powerpoint/2010/main" val="3978028336"/>
-      </p:ext>
-    </p:extLst>
-  </p:cSld>
-  <p:clrMapOvr>
-    <a:masterClrMapping/>
-  </p:clrMapOvr>
-</p:sld>
-</file>
-
-<file path=ppt/slides/slide4.xml><?xml version="1.0" encoding="utf-8"?>
-<p:sld xmlns:a="http://schemas.openxmlformats.org/drawingml/2006/main" xmlns:r="http://schemas.openxmlformats.org/officeDocument/2006/relationships" xmlns:p="http://schemas.openxmlformats.org/presentationml/2006/main">
-  <p:cSld>
-    <p:spTree>
-      <p:nvGrpSpPr>
-        <p:cNvPr id="1" name=""/>
-        <p:cNvGrpSpPr/>
-        <p:nvPr/>
-      </p:nvGrpSpPr>
-      <p:grpSpPr>
-        <a:xfrm>
-          <a:off x="0" y="0"/>
-          <a:ext cx="0" cy="0"/>
-          <a:chOff x="0" y="0"/>
-          <a:chExt cx="0" cy="0"/>
-        </a:xfrm>
-      </p:grpSpPr>
       <p:pic>
         <p:nvPicPr>
           <p:cNvPr id="15" name="Espaço Reservado para Conteúdo 4" descr="Interface gráfica do usuário, Texto, Aplicativo&#10;&#10;Descrição gerada automaticamente">

--- a/2021/solid/Apresentação.pptx
+++ b/2021/solid/Apresentação.pptx
@@ -7,7 +7,10 @@
   <p:sldIdLst>
     <p:sldId id="256" r:id="rId2"/>
     <p:sldId id="260" r:id="rId3"/>
-    <p:sldId id="258" r:id="rId4"/>
+    <p:sldId id="261" r:id="rId4"/>
+    <p:sldId id="262" r:id="rId5"/>
+    <p:sldId id="263" r:id="rId6"/>
+    <p:sldId id="258" r:id="rId7"/>
   </p:sldIdLst>
   <p:sldSz cx="12192000" cy="6858000"/>
   <p:notesSz cx="6858000" cy="9144000"/>
@@ -4643,6 +4646,656 @@
           <a:chExt cx="0" cy="0"/>
         </a:xfrm>
       </p:grpSpPr>
+      <p:sp>
+        <p:nvSpPr>
+          <p:cNvPr id="2" name="Título 1">
+            <a:extLst>
+              <a:ext uri="{FF2B5EF4-FFF2-40B4-BE49-F238E27FC236}">
+                <a16:creationId xmlns:a16="http://schemas.microsoft.com/office/drawing/2014/main" id="{5BBEACBB-C091-4242-97F0-624506220FC3}"/>
+              </a:ext>
+            </a:extLst>
+          </p:cNvPr>
+          <p:cNvSpPr>
+            <a:spLocks noGrp="1"/>
+          </p:cNvSpPr>
+          <p:nvPr>
+            <p:ph type="title"/>
+          </p:nvPr>
+        </p:nvSpPr>
+        <p:spPr/>
+        <p:txBody>
+          <a:bodyPr/>
+          <a:lstStyle/>
+          <a:p>
+            <a:r>
+              <a:rPr lang="pt-BR" dirty="0"/>
+              <a:t>O que é SOLID?</a:t>
+            </a:r>
+          </a:p>
+        </p:txBody>
+      </p:sp>
+      <p:sp>
+        <p:nvSpPr>
+          <p:cNvPr id="3" name="Espaço Reservado para Conteúdo 2">
+            <a:extLst>
+              <a:ext uri="{FF2B5EF4-FFF2-40B4-BE49-F238E27FC236}">
+                <a16:creationId xmlns:a16="http://schemas.microsoft.com/office/drawing/2014/main" id="{DE4DC614-D5FB-41DC-B8E4-B9A126DA581F}"/>
+              </a:ext>
+            </a:extLst>
+          </p:cNvPr>
+          <p:cNvSpPr>
+            <a:spLocks noGrp="1"/>
+          </p:cNvSpPr>
+          <p:nvPr>
+            <p:ph idx="1"/>
+          </p:nvPr>
+        </p:nvSpPr>
+        <p:spPr/>
+        <p:txBody>
+          <a:bodyPr/>
+          <a:lstStyle/>
+          <a:p>
+            <a:pPr algn="l"/>
+            <a:r>
+              <a:rPr lang="pt-BR" b="1" i="0" dirty="0">
+                <a:solidFill>
+                  <a:srgbClr val="292929"/>
+                </a:solidFill>
+                <a:effectLst/>
+                <a:latin typeface="charter"/>
+              </a:rPr>
+              <a:t>SOLID são cinco princípios da programação orientada a objetos que facilitam no desenvolvimento de softwares, tornando-os fáceis de manter e estender. Esses princípios podem ser aplicados a qualquer linguagem de POO</a:t>
+            </a:r>
+            <a:br>
+              <a:rPr lang="pt-BR" b="0" i="0" dirty="0">
+                <a:effectLst/>
+                <a:latin typeface="medium-content-sans-serif-font"/>
+              </a:rPr>
+            </a:br>
+            <a:endParaRPr lang="pt-BR" dirty="0"/>
+          </a:p>
+        </p:txBody>
+      </p:sp>
+    </p:spTree>
+    <p:extLst>
+      <p:ext uri="{BB962C8B-B14F-4D97-AF65-F5344CB8AC3E}">
+        <p14:creationId xmlns:p14="http://schemas.microsoft.com/office/powerpoint/2010/main" val="3166197250"/>
+      </p:ext>
+    </p:extLst>
+  </p:cSld>
+  <p:clrMapOvr>
+    <a:masterClrMapping/>
+  </p:clrMapOvr>
+</p:sld>
+</file>
+
+<file path=ppt/slides/slide4.xml><?xml version="1.0" encoding="utf-8"?>
+<p:sld xmlns:a="http://schemas.openxmlformats.org/drawingml/2006/main" xmlns:r="http://schemas.openxmlformats.org/officeDocument/2006/relationships" xmlns:p="http://schemas.openxmlformats.org/presentationml/2006/main">
+  <p:cSld>
+    <p:spTree>
+      <p:nvGrpSpPr>
+        <p:cNvPr id="1" name=""/>
+        <p:cNvGrpSpPr/>
+        <p:nvPr/>
+      </p:nvGrpSpPr>
+      <p:grpSpPr>
+        <a:xfrm>
+          <a:off x="0" y="0"/>
+          <a:ext cx="0" cy="0"/>
+          <a:chOff x="0" y="0"/>
+          <a:chExt cx="0" cy="0"/>
+        </a:xfrm>
+      </p:grpSpPr>
+      <p:sp>
+        <p:nvSpPr>
+          <p:cNvPr id="2" name="Título 1">
+            <a:extLst>
+              <a:ext uri="{FF2B5EF4-FFF2-40B4-BE49-F238E27FC236}">
+                <a16:creationId xmlns:a16="http://schemas.microsoft.com/office/drawing/2014/main" id="{9AE92487-AFFB-4FB3-A61B-22B90D9C3BF3}"/>
+              </a:ext>
+            </a:extLst>
+          </p:cNvPr>
+          <p:cNvSpPr>
+            <a:spLocks noGrp="1"/>
+          </p:cNvSpPr>
+          <p:nvPr>
+            <p:ph type="title"/>
+          </p:nvPr>
+        </p:nvSpPr>
+        <p:spPr/>
+        <p:txBody>
+          <a:bodyPr/>
+          <a:lstStyle/>
+          <a:p>
+            <a:r>
+              <a:rPr lang="pt-BR" dirty="0"/>
+              <a:t>Quais são os princípios?</a:t>
+            </a:r>
+          </a:p>
+        </p:txBody>
+      </p:sp>
+      <p:sp>
+        <p:nvSpPr>
+          <p:cNvPr id="3" name="Espaço Reservado para Conteúdo 2">
+            <a:extLst>
+              <a:ext uri="{FF2B5EF4-FFF2-40B4-BE49-F238E27FC236}">
+                <a16:creationId xmlns:a16="http://schemas.microsoft.com/office/drawing/2014/main" id="{C6F822EB-D03C-43CA-9AF7-8DE8EC3212F3}"/>
+              </a:ext>
+            </a:extLst>
+          </p:cNvPr>
+          <p:cNvSpPr>
+            <a:spLocks noGrp="1"/>
+          </p:cNvSpPr>
+          <p:nvPr>
+            <p:ph idx="1"/>
+          </p:nvPr>
+        </p:nvSpPr>
+        <p:spPr>
+          <a:xfrm>
+            <a:off x="838200" y="1825625"/>
+            <a:ext cx="10982498" cy="4351338"/>
+          </a:xfrm>
+        </p:spPr>
+        <p:txBody>
+          <a:bodyPr/>
+          <a:lstStyle/>
+          <a:p>
+            <a:pPr algn="l">
+              <a:buFont typeface="+mj-lt"/>
+              <a:buAutoNum type="arabicPeriod"/>
+            </a:pPr>
+            <a:r>
+              <a:rPr lang="pt-BR" b="1" dirty="0">
+                <a:solidFill>
+                  <a:srgbClr val="292929"/>
+                </a:solidFill>
+                <a:latin typeface="charter"/>
+              </a:rPr>
+              <a:t> </a:t>
+            </a:r>
+            <a:r>
+              <a:rPr lang="pt-BR" b="1" i="0" dirty="0">
+                <a:solidFill>
+                  <a:srgbClr val="292929"/>
+                </a:solidFill>
+                <a:effectLst/>
+                <a:latin typeface="charter"/>
+              </a:rPr>
+              <a:t>Single </a:t>
+            </a:r>
+            <a:r>
+              <a:rPr lang="pt-BR" b="1" i="0" dirty="0" err="1">
+                <a:solidFill>
+                  <a:srgbClr val="292929"/>
+                </a:solidFill>
+                <a:effectLst/>
+                <a:latin typeface="charter"/>
+              </a:rPr>
+              <a:t>Responsiblity</a:t>
+            </a:r>
+            <a:r>
+              <a:rPr lang="pt-BR" b="1" i="0" dirty="0">
+                <a:solidFill>
+                  <a:srgbClr val="292929"/>
+                </a:solidFill>
+                <a:effectLst/>
+                <a:latin typeface="charter"/>
+              </a:rPr>
+              <a:t> </a:t>
+            </a:r>
+            <a:r>
+              <a:rPr lang="pt-BR" b="1" i="0" dirty="0" err="1">
+                <a:solidFill>
+                  <a:srgbClr val="292929"/>
+                </a:solidFill>
+                <a:effectLst/>
+                <a:latin typeface="charter"/>
+              </a:rPr>
+              <a:t>Principle</a:t>
+            </a:r>
+            <a:r>
+              <a:rPr lang="pt-BR" b="1" i="0" dirty="0">
+                <a:solidFill>
+                  <a:srgbClr val="292929"/>
+                </a:solidFill>
+                <a:effectLst/>
+                <a:latin typeface="charter"/>
+              </a:rPr>
+              <a:t> </a:t>
+            </a:r>
+            <a:r>
+              <a:rPr lang="pt-BR" b="0" i="0" dirty="0">
+                <a:solidFill>
+                  <a:srgbClr val="292929"/>
+                </a:solidFill>
+                <a:effectLst/>
+                <a:latin typeface="charter"/>
+              </a:rPr>
+              <a:t>(Princípio da responsabilidade única)</a:t>
+            </a:r>
+          </a:p>
+          <a:p>
+            <a:pPr algn="l">
+              <a:buFont typeface="+mj-lt"/>
+              <a:buAutoNum type="arabicPeriod"/>
+            </a:pPr>
+            <a:r>
+              <a:rPr lang="pt-BR" b="1" i="0" dirty="0">
+                <a:solidFill>
+                  <a:srgbClr val="292929"/>
+                </a:solidFill>
+                <a:effectLst/>
+                <a:latin typeface="charter"/>
+              </a:rPr>
+              <a:t> Open-</a:t>
+            </a:r>
+            <a:r>
+              <a:rPr lang="pt-BR" b="1" i="0" dirty="0" err="1">
+                <a:solidFill>
+                  <a:srgbClr val="292929"/>
+                </a:solidFill>
+                <a:effectLst/>
+                <a:latin typeface="charter"/>
+              </a:rPr>
+              <a:t>Closed</a:t>
+            </a:r>
+            <a:r>
+              <a:rPr lang="pt-BR" b="1" i="0" dirty="0">
+                <a:solidFill>
+                  <a:srgbClr val="292929"/>
+                </a:solidFill>
+                <a:effectLst/>
+                <a:latin typeface="charter"/>
+              </a:rPr>
+              <a:t> </a:t>
+            </a:r>
+            <a:r>
+              <a:rPr lang="pt-BR" b="1" i="0" dirty="0" err="1">
+                <a:solidFill>
+                  <a:srgbClr val="292929"/>
+                </a:solidFill>
+                <a:effectLst/>
+                <a:latin typeface="charter"/>
+              </a:rPr>
+              <a:t>Principle</a:t>
+            </a:r>
+            <a:r>
+              <a:rPr lang="pt-BR" b="1" i="0" dirty="0">
+                <a:solidFill>
+                  <a:srgbClr val="292929"/>
+                </a:solidFill>
+                <a:effectLst/>
+                <a:latin typeface="charter"/>
+              </a:rPr>
+              <a:t> </a:t>
+            </a:r>
+            <a:r>
+              <a:rPr lang="pt-BR" b="0" i="0" dirty="0">
+                <a:solidFill>
+                  <a:srgbClr val="292929"/>
+                </a:solidFill>
+                <a:effectLst/>
+                <a:latin typeface="charter"/>
+              </a:rPr>
+              <a:t>(Princípio Aberto-Fechado)</a:t>
+            </a:r>
+          </a:p>
+          <a:p>
+            <a:pPr algn="l">
+              <a:buFont typeface="+mj-lt"/>
+              <a:buAutoNum type="arabicPeriod"/>
+            </a:pPr>
+            <a:r>
+              <a:rPr lang="pt-BR" b="1" i="0" dirty="0">
+                <a:solidFill>
+                  <a:srgbClr val="292929"/>
+                </a:solidFill>
+                <a:effectLst/>
+                <a:latin typeface="charter"/>
+              </a:rPr>
+              <a:t> </a:t>
+            </a:r>
+            <a:r>
+              <a:rPr lang="pt-BR" b="1" i="0" dirty="0" err="1">
+                <a:solidFill>
+                  <a:srgbClr val="292929"/>
+                </a:solidFill>
+                <a:effectLst/>
+                <a:latin typeface="charter"/>
+              </a:rPr>
+              <a:t>Liskov</a:t>
+            </a:r>
+            <a:r>
+              <a:rPr lang="pt-BR" b="1" i="0" dirty="0">
+                <a:solidFill>
+                  <a:srgbClr val="292929"/>
+                </a:solidFill>
+                <a:effectLst/>
+                <a:latin typeface="charter"/>
+              </a:rPr>
+              <a:t> </a:t>
+            </a:r>
+            <a:r>
+              <a:rPr lang="pt-BR" b="1" i="0" dirty="0" err="1">
+                <a:solidFill>
+                  <a:srgbClr val="292929"/>
+                </a:solidFill>
+                <a:effectLst/>
+                <a:latin typeface="charter"/>
+              </a:rPr>
+              <a:t>Substitution</a:t>
+            </a:r>
+            <a:r>
+              <a:rPr lang="pt-BR" b="1" i="0" dirty="0">
+                <a:solidFill>
+                  <a:srgbClr val="292929"/>
+                </a:solidFill>
+                <a:effectLst/>
+                <a:latin typeface="charter"/>
+              </a:rPr>
+              <a:t> </a:t>
+            </a:r>
+            <a:r>
+              <a:rPr lang="pt-BR" b="1" i="0" dirty="0" err="1">
+                <a:solidFill>
+                  <a:srgbClr val="292929"/>
+                </a:solidFill>
+                <a:effectLst/>
+                <a:latin typeface="charter"/>
+              </a:rPr>
+              <a:t>Principle</a:t>
+            </a:r>
+            <a:r>
+              <a:rPr lang="pt-BR" b="1" i="0" dirty="0">
+                <a:solidFill>
+                  <a:srgbClr val="292929"/>
+                </a:solidFill>
+                <a:effectLst/>
+                <a:latin typeface="charter"/>
+              </a:rPr>
+              <a:t> </a:t>
+            </a:r>
+            <a:r>
+              <a:rPr lang="pt-BR" b="0" i="0" dirty="0">
+                <a:solidFill>
+                  <a:srgbClr val="292929"/>
+                </a:solidFill>
+                <a:effectLst/>
+                <a:latin typeface="charter"/>
+              </a:rPr>
+              <a:t>(Princípio da substituição de </a:t>
+            </a:r>
+            <a:r>
+              <a:rPr lang="pt-BR" b="0" i="0" dirty="0" err="1">
+                <a:solidFill>
+                  <a:srgbClr val="292929"/>
+                </a:solidFill>
+                <a:effectLst/>
+                <a:latin typeface="charter"/>
+              </a:rPr>
+              <a:t>Liskov</a:t>
+            </a:r>
+            <a:r>
+              <a:rPr lang="pt-BR" b="0" i="0" dirty="0">
+                <a:solidFill>
+                  <a:srgbClr val="292929"/>
+                </a:solidFill>
+                <a:effectLst/>
+                <a:latin typeface="charter"/>
+              </a:rPr>
+              <a:t>)</a:t>
+            </a:r>
+          </a:p>
+          <a:p>
+            <a:pPr algn="l">
+              <a:buFont typeface="+mj-lt"/>
+              <a:buAutoNum type="arabicPeriod"/>
+            </a:pPr>
+            <a:r>
+              <a:rPr lang="pt-BR" b="1" i="0" dirty="0">
+                <a:solidFill>
+                  <a:srgbClr val="292929"/>
+                </a:solidFill>
+                <a:effectLst/>
+                <a:latin typeface="charter"/>
+              </a:rPr>
+              <a:t> Interface </a:t>
+            </a:r>
+            <a:r>
+              <a:rPr lang="pt-BR" b="1" i="0" dirty="0" err="1">
+                <a:solidFill>
+                  <a:srgbClr val="292929"/>
+                </a:solidFill>
+                <a:effectLst/>
+                <a:latin typeface="charter"/>
+              </a:rPr>
+              <a:t>Segregation</a:t>
+            </a:r>
+            <a:r>
+              <a:rPr lang="pt-BR" b="1" i="0" dirty="0">
+                <a:solidFill>
+                  <a:srgbClr val="292929"/>
+                </a:solidFill>
+                <a:effectLst/>
+                <a:latin typeface="charter"/>
+              </a:rPr>
+              <a:t> </a:t>
+            </a:r>
+            <a:r>
+              <a:rPr lang="pt-BR" b="1" i="0" dirty="0" err="1">
+                <a:solidFill>
+                  <a:srgbClr val="292929"/>
+                </a:solidFill>
+                <a:effectLst/>
+                <a:latin typeface="charter"/>
+              </a:rPr>
+              <a:t>Principle</a:t>
+            </a:r>
+            <a:r>
+              <a:rPr lang="pt-BR" b="1" i="0" dirty="0">
+                <a:solidFill>
+                  <a:srgbClr val="292929"/>
+                </a:solidFill>
+                <a:effectLst/>
+                <a:latin typeface="charter"/>
+              </a:rPr>
+              <a:t> </a:t>
+            </a:r>
+            <a:r>
+              <a:rPr lang="pt-BR" b="0" i="0" dirty="0">
+                <a:solidFill>
+                  <a:srgbClr val="292929"/>
+                </a:solidFill>
+                <a:effectLst/>
+                <a:latin typeface="charter"/>
+              </a:rPr>
+              <a:t>(Princípio da Segregação da Interface)</a:t>
+            </a:r>
+          </a:p>
+          <a:p>
+            <a:pPr algn="l">
+              <a:buFont typeface="+mj-lt"/>
+              <a:buAutoNum type="arabicPeriod"/>
+            </a:pPr>
+            <a:r>
+              <a:rPr lang="pt-BR" b="1" i="0" dirty="0">
+                <a:solidFill>
+                  <a:srgbClr val="292929"/>
+                </a:solidFill>
+                <a:effectLst/>
+                <a:latin typeface="charter"/>
+              </a:rPr>
+              <a:t> Dependency </a:t>
+            </a:r>
+            <a:r>
+              <a:rPr lang="pt-BR" b="1" i="0" dirty="0" err="1">
+                <a:solidFill>
+                  <a:srgbClr val="292929"/>
+                </a:solidFill>
+                <a:effectLst/>
+                <a:latin typeface="charter"/>
+              </a:rPr>
+              <a:t>Inversion</a:t>
+            </a:r>
+            <a:r>
+              <a:rPr lang="pt-BR" b="1" i="0" dirty="0">
+                <a:solidFill>
+                  <a:srgbClr val="292929"/>
+                </a:solidFill>
+                <a:effectLst/>
+                <a:latin typeface="charter"/>
+              </a:rPr>
+              <a:t> </a:t>
+            </a:r>
+            <a:r>
+              <a:rPr lang="pt-BR" b="1" i="0" dirty="0" err="1">
+                <a:solidFill>
+                  <a:srgbClr val="292929"/>
+                </a:solidFill>
+                <a:effectLst/>
+                <a:latin typeface="charter"/>
+              </a:rPr>
+              <a:t>Principle</a:t>
+            </a:r>
+            <a:r>
+              <a:rPr lang="pt-BR" b="1" i="0" dirty="0">
+                <a:solidFill>
+                  <a:srgbClr val="292929"/>
+                </a:solidFill>
+                <a:effectLst/>
+                <a:latin typeface="charter"/>
+              </a:rPr>
+              <a:t> </a:t>
+            </a:r>
+            <a:r>
+              <a:rPr lang="pt-BR" b="0" i="0" dirty="0">
+                <a:solidFill>
+                  <a:srgbClr val="292929"/>
+                </a:solidFill>
+                <a:effectLst/>
+                <a:latin typeface="charter"/>
+              </a:rPr>
+              <a:t>(Princípio da inversão da dependência)</a:t>
+            </a:r>
+          </a:p>
+        </p:txBody>
+      </p:sp>
+    </p:spTree>
+    <p:extLst>
+      <p:ext uri="{BB962C8B-B14F-4D97-AF65-F5344CB8AC3E}">
+        <p14:creationId xmlns:p14="http://schemas.microsoft.com/office/powerpoint/2010/main" val="2937044423"/>
+      </p:ext>
+    </p:extLst>
+  </p:cSld>
+  <p:clrMapOvr>
+    <a:masterClrMapping/>
+  </p:clrMapOvr>
+</p:sld>
+</file>
+
+<file path=ppt/slides/slide5.xml><?xml version="1.0" encoding="utf-8"?>
+<p:sld xmlns:a="http://schemas.openxmlformats.org/drawingml/2006/main" xmlns:r="http://schemas.openxmlformats.org/officeDocument/2006/relationships" xmlns:p="http://schemas.openxmlformats.org/presentationml/2006/main">
+  <p:cSld>
+    <p:spTree>
+      <p:nvGrpSpPr>
+        <p:cNvPr id="1" name=""/>
+        <p:cNvGrpSpPr/>
+        <p:nvPr/>
+      </p:nvGrpSpPr>
+      <p:grpSpPr>
+        <a:xfrm>
+          <a:off x="0" y="0"/>
+          <a:ext cx="0" cy="0"/>
+          <a:chOff x="0" y="0"/>
+          <a:chExt cx="0" cy="0"/>
+        </a:xfrm>
+      </p:grpSpPr>
+      <p:pic>
+        <p:nvPicPr>
+          <p:cNvPr id="1026" name="Picture 2" descr="Orientação a Objetos e SOLID para Ninjas: Projetando classes flexíveis  eBook : Aniche, Mauricio: Amazon.com.br: Livros">
+            <a:extLst>
+              <a:ext uri="{FF2B5EF4-FFF2-40B4-BE49-F238E27FC236}">
+                <a16:creationId xmlns:a16="http://schemas.microsoft.com/office/drawing/2014/main" id="{8676BBDE-9D84-4F24-AF48-FD69D1CEB61A}"/>
+              </a:ext>
+            </a:extLst>
+          </p:cNvPr>
+          <p:cNvPicPr>
+            <a:picLocks noChangeAspect="1" noChangeArrowheads="1"/>
+          </p:cNvPicPr>
+          <p:nvPr/>
+        </p:nvPicPr>
+        <p:blipFill>
+          <a:blip r:embed="rId2">
+            <a:extLst>
+              <a:ext uri="{28A0092B-C50C-407E-A947-70E740481C1C}">
+                <a14:useLocalDpi xmlns:a14="http://schemas.microsoft.com/office/drawing/2010/main" val="0"/>
+              </a:ext>
+            </a:extLst>
+          </a:blip>
+          <a:srcRect/>
+          <a:stretch>
+            <a:fillRect/>
+          </a:stretch>
+        </p:blipFill>
+        <p:spPr bwMode="auto">
+          <a:xfrm>
+            <a:off x="4429125" y="1047750"/>
+            <a:ext cx="3333750" cy="4762500"/>
+          </a:xfrm>
+          <a:prstGeom prst="rect">
+            <a:avLst/>
+          </a:prstGeom>
+          <a:ln>
+            <a:noFill/>
+          </a:ln>
+          <a:effectLst>
+            <a:outerShdw blurRad="292100" dist="139700" dir="2700000" algn="tl" rotWithShape="0">
+              <a:srgbClr val="333333">
+                <a:alpha val="65000"/>
+              </a:srgbClr>
+            </a:outerShdw>
+          </a:effectLst>
+          <a:extLst>
+            <a:ext uri="{909E8E84-426E-40DD-AFC4-6F175D3DCCD1}">
+              <a14:hiddenFill xmlns:a14="http://schemas.microsoft.com/office/drawing/2010/main">
+                <a:solidFill>
+                  <a:srgbClr val="FFFFFF"/>
+                </a:solidFill>
+              </a14:hiddenFill>
+            </a:ext>
+          </a:extLst>
+        </p:spPr>
+      </p:pic>
+    </p:spTree>
+    <p:extLst>
+      <p:ext uri="{BB962C8B-B14F-4D97-AF65-F5344CB8AC3E}">
+        <p14:creationId xmlns:p14="http://schemas.microsoft.com/office/powerpoint/2010/main" val="3392426743"/>
+      </p:ext>
+    </p:extLst>
+  </p:cSld>
+  <p:clrMapOvr>
+    <a:masterClrMapping/>
+  </p:clrMapOvr>
+</p:sld>
+</file>
+
+<file path=ppt/slides/slide6.xml><?xml version="1.0" encoding="utf-8"?>
+<p:sld xmlns:a="http://schemas.openxmlformats.org/drawingml/2006/main" xmlns:r="http://schemas.openxmlformats.org/officeDocument/2006/relationships" xmlns:p="http://schemas.openxmlformats.org/presentationml/2006/main">
+  <p:cSld>
+    <p:spTree>
+      <p:nvGrpSpPr>
+        <p:cNvPr id="1" name=""/>
+        <p:cNvGrpSpPr/>
+        <p:nvPr/>
+      </p:nvGrpSpPr>
+      <p:grpSpPr>
+        <a:xfrm>
+          <a:off x="0" y="0"/>
+          <a:ext cx="0" cy="0"/>
+          <a:chOff x="0" y="0"/>
+          <a:chExt cx="0" cy="0"/>
+        </a:xfrm>
+      </p:grpSpPr>
       <p:pic>
         <p:nvPicPr>
           <p:cNvPr id="15" name="Espaço Reservado para Conteúdo 4" descr="Interface gráfica do usuário, Texto, Aplicativo&#10;&#10;Descrição gerada automaticamente">
